--- a/English/6.Visuals/10.The Funnels.pptx
+++ b/English/6.Visuals/10.The Funnels.pptx
@@ -18,7 +18,7 @@
   <p:notesSz cx="6858000" cy="9144000"/>
   <p:defaultTextStyle>
     <a:defPPr>
-      <a:defRPr lang="en-US"/>
+      <a:defRPr lang="en"/>
     </a:defPPr>
     <a:lvl1pPr marL="0" algn="l" defTabSz="914400" rtl="0" eaLnBrk="1" latinLnBrk="0" hangingPunct="1">
       <a:defRPr sz="1800" kern="1200">
@@ -201,7 +201,7 @@
           <a:p>
             <a:fld id="{056BA3B8-9F76-4D81-B71D-76CB85363062}" type="datetimeFigureOut">
               <a:rPr lang="en-US" smtClean="0"/>
-              <a:t>1/4/2025</a:t>
+              <a:t>4/3/2025</a:t>
             </a:fld>
             <a:endParaRPr lang="en-US"/>
           </a:p>
@@ -600,7 +600,7 @@
           <a:p>
             <a:fld id="{6F01DA4D-20EA-48D2-973C-0311EC3005D6}" type="datetimeFigureOut">
               <a:rPr lang="en-US" smtClean="0"/>
-              <a:t>1/4/2025</a:t>
+              <a:t>4/3/2025</a:t>
             </a:fld>
             <a:endParaRPr lang="en-US"/>
           </a:p>
@@ -770,7 +770,7 @@
           <a:p>
             <a:fld id="{6F01DA4D-20EA-48D2-973C-0311EC3005D6}" type="datetimeFigureOut">
               <a:rPr lang="en-US" smtClean="0"/>
-              <a:t>1/4/2025</a:t>
+              <a:t>4/3/2025</a:t>
             </a:fld>
             <a:endParaRPr lang="en-US"/>
           </a:p>
@@ -950,7 +950,7 @@
           <a:p>
             <a:fld id="{6F01DA4D-20EA-48D2-973C-0311EC3005D6}" type="datetimeFigureOut">
               <a:rPr lang="en-US" smtClean="0"/>
-              <a:t>1/4/2025</a:t>
+              <a:t>4/3/2025</a:t>
             </a:fld>
             <a:endParaRPr lang="en-US"/>
           </a:p>
@@ -1120,7 +1120,7 @@
           <a:p>
             <a:fld id="{6F01DA4D-20EA-48D2-973C-0311EC3005D6}" type="datetimeFigureOut">
               <a:rPr lang="en-US" smtClean="0"/>
-              <a:t>1/4/2025</a:t>
+              <a:t>4/3/2025</a:t>
             </a:fld>
             <a:endParaRPr lang="en-US"/>
           </a:p>
@@ -1366,7 +1366,7 @@
           <a:p>
             <a:fld id="{6F01DA4D-20EA-48D2-973C-0311EC3005D6}" type="datetimeFigureOut">
               <a:rPr lang="en-US" smtClean="0"/>
-              <a:t>1/4/2025</a:t>
+              <a:t>4/3/2025</a:t>
             </a:fld>
             <a:endParaRPr lang="en-US"/>
           </a:p>
@@ -1598,7 +1598,7 @@
           <a:p>
             <a:fld id="{6F01DA4D-20EA-48D2-973C-0311EC3005D6}" type="datetimeFigureOut">
               <a:rPr lang="en-US" smtClean="0"/>
-              <a:t>1/4/2025</a:t>
+              <a:t>4/3/2025</a:t>
             </a:fld>
             <a:endParaRPr lang="en-US"/>
           </a:p>
@@ -1965,7 +1965,7 @@
           <a:p>
             <a:fld id="{6F01DA4D-20EA-48D2-973C-0311EC3005D6}" type="datetimeFigureOut">
               <a:rPr lang="en-US" smtClean="0"/>
-              <a:t>1/4/2025</a:t>
+              <a:t>4/3/2025</a:t>
             </a:fld>
             <a:endParaRPr lang="en-US"/>
           </a:p>
@@ -2083,7 +2083,7 @@
           <a:p>
             <a:fld id="{6F01DA4D-20EA-48D2-973C-0311EC3005D6}" type="datetimeFigureOut">
               <a:rPr lang="en-US" smtClean="0"/>
-              <a:t>1/4/2025</a:t>
+              <a:t>4/3/2025</a:t>
             </a:fld>
             <a:endParaRPr lang="en-US"/>
           </a:p>
@@ -2178,7 +2178,7 @@
           <a:p>
             <a:fld id="{6F01DA4D-20EA-48D2-973C-0311EC3005D6}" type="datetimeFigureOut">
               <a:rPr lang="en-US" smtClean="0"/>
-              <a:t>1/4/2025</a:t>
+              <a:t>4/3/2025</a:t>
             </a:fld>
             <a:endParaRPr lang="en-US"/>
           </a:p>
@@ -2455,7 +2455,7 @@
           <a:p>
             <a:fld id="{6F01DA4D-20EA-48D2-973C-0311EC3005D6}" type="datetimeFigureOut">
               <a:rPr lang="en-US" smtClean="0"/>
-              <a:t>1/4/2025</a:t>
+              <a:t>4/3/2025</a:t>
             </a:fld>
             <a:endParaRPr lang="en-US"/>
           </a:p>
@@ -2708,7 +2708,7 @@
           <a:p>
             <a:fld id="{6F01DA4D-20EA-48D2-973C-0311EC3005D6}" type="datetimeFigureOut">
               <a:rPr lang="en-US" smtClean="0"/>
-              <a:t>1/4/2025</a:t>
+              <a:t>4/3/2025</a:t>
             </a:fld>
             <a:endParaRPr lang="en-US"/>
           </a:p>
@@ -2921,7 +2921,7 @@
           <a:p>
             <a:fld id="{6F01DA4D-20EA-48D2-973C-0311EC3005D6}" type="datetimeFigureOut">
               <a:rPr lang="en-US" smtClean="0"/>
-              <a:t>1/4/2025</a:t>
+              <a:t>4/3/2025</a:t>
             </a:fld>
             <a:endParaRPr lang="en-US"/>
           </a:p>
@@ -3358,7 +3358,7 @@
           <a:p>
             <a:pPr algn="ctr"/>
             <a:r>
-              <a:rPr lang="fr-FR" sz="8000" b="1" dirty="0" smtClean="0">
+              <a:rPr lang="en" sz="8000" b="1" dirty="0" smtClean="0">
                 <a:solidFill>
                   <a:srgbClr val="7030A0"/>
                 </a:solidFill>
@@ -3369,7 +3369,7 @@
               <a:t>The </a:t>
             </a:r>
             <a:r>
-              <a:rPr lang="fr-FR" sz="8000" b="1" dirty="0" err="1" smtClean="0">
+              <a:rPr lang="en" sz="8000" b="1" dirty="0" err="1" smtClean="0">
                 <a:solidFill>
                   <a:srgbClr val="7030A0"/>
                 </a:solidFill>
@@ -3377,7 +3377,7 @@
                 <a:ea typeface="Verdana" panose="020B0604030504040204" pitchFamily="34" charset="0"/>
                 <a:cs typeface="Segoe UI" panose="020B0502040204020203" pitchFamily="34" charset="0"/>
               </a:rPr>
-              <a:t>Funnels</a:t>
+              <a:t>funnels</a:t>
             </a:r>
             <a:endParaRPr lang="en-US" sz="8000" b="1" dirty="0">
               <a:solidFill>
@@ -3414,7 +3414,7 @@
           <a:p>
             <a:pPr algn="ctr"/>
             <a:r>
-              <a:rPr lang="fr-FR" sz="8000" b="1" dirty="0" smtClean="0">
+              <a:rPr lang="en" sz="8000" b="1" dirty="0" smtClean="0">
                 <a:solidFill>
                   <a:schemeClr val="bg1"/>
                 </a:solidFill>
@@ -3425,7 +3425,7 @@
               <a:t>The </a:t>
             </a:r>
             <a:r>
-              <a:rPr lang="fr-FR" sz="8000" b="1" dirty="0" err="1" smtClean="0">
+              <a:rPr lang="en" sz="8000" b="1" dirty="0" err="1" smtClean="0">
                 <a:solidFill>
                   <a:schemeClr val="bg1"/>
                 </a:solidFill>
@@ -3433,7 +3433,7 @@
                 <a:ea typeface="Verdana" panose="020B0604030504040204" pitchFamily="34" charset="0"/>
                 <a:cs typeface="Segoe UI" panose="020B0502040204020203" pitchFamily="34" charset="0"/>
               </a:rPr>
-              <a:t>Funnels</a:t>
+              <a:t>funnels</a:t>
             </a:r>
             <a:endParaRPr lang="en-US" sz="8000" b="1" dirty="0">
               <a:solidFill>
@@ -3499,11 +3499,11 @@
           <a:lstStyle/>
           <a:p>
             <a:r>
-              <a:rPr lang="en-US" sz="2400" dirty="0" smtClean="0">
+              <a:rPr lang="en" sz="2400" dirty="0" smtClean="0">
                 <a:latin typeface="Segoe UI" panose="020B0502040204020203" pitchFamily="34" charset="0"/>
                 <a:cs typeface="Segoe UI" panose="020B0502040204020203" pitchFamily="34" charset="0"/>
               </a:rPr>
-              <a:t>The Funnels</a:t>
+              <a:t>The funnels</a:t>
             </a:r>
             <a:endParaRPr lang="en-US" sz="2400" dirty="0">
               <a:latin typeface="Segoe UI" panose="020B0502040204020203" pitchFamily="34" charset="0"/>
@@ -3545,7 +3545,7 @@
               </a:spcAft>
             </a:pPr>
             <a:r>
-              <a:rPr lang="en-US" kern="0" dirty="0" smtClean="0">
+              <a:rPr lang="en" kern="0" dirty="0" smtClean="0">
                 <a:latin typeface="Segoe UI" panose="020B0502040204020203" pitchFamily="34" charset="0"/>
                 <a:ea typeface="Times New Roman" panose="02020603050405020304" pitchFamily="18" charset="0"/>
                 <a:cs typeface="Times New Roman" panose="02020603050405020304" pitchFamily="18" charset="0"/>
@@ -3553,7 +3553,7 @@
               <a:t>Add the </a:t>
             </a:r>
             <a:r>
-              <a:rPr lang="en-US" b="1" kern="0" dirty="0" smtClean="0">
+              <a:rPr lang="en" b="1" kern="0" dirty="0" smtClean="0">
                 <a:latin typeface="Segoe UI" panose="020B0502040204020203" pitchFamily="34" charset="0"/>
                 <a:ea typeface="Times New Roman" panose="02020603050405020304" pitchFamily="18" charset="0"/>
                 <a:cs typeface="Times New Roman" panose="02020603050405020304" pitchFamily="18" charset="0"/>
@@ -3561,7 +3561,7 @@
               <a:t>Funnel visualization </a:t>
             </a:r>
             <a:r>
-              <a:rPr lang="en-US" kern="0" dirty="0" smtClean="0">
+              <a:rPr lang="en" kern="0" dirty="0" smtClean="0">
                 <a:latin typeface="Segoe UI" panose="020B0502040204020203" pitchFamily="34" charset="0"/>
                 <a:ea typeface="Times New Roman" panose="02020603050405020304" pitchFamily="18" charset="0"/>
                 <a:cs typeface="Times New Roman" panose="02020603050405020304" pitchFamily="18" charset="0"/>
@@ -3635,7 +3635,7 @@
                         </a:spcAft>
                       </a:pPr>
                       <a:r>
-                        <a:rPr lang="fr-FR" sz="2400" kern="0">
+                        <a:rPr lang="en" sz="2400" kern="0">
                           <a:effectLst/>
                           <a:latin typeface="Segoe UI" panose="020B0502040204020203" pitchFamily="34" charset="0"/>
                           <a:cs typeface="Segoe UI" panose="020B0502040204020203" pitchFamily="34" charset="0"/>
@@ -3669,12 +3669,12 @@
                         </a:spcAft>
                       </a:pPr>
                       <a:r>
-                        <a:rPr lang="fr-FR" sz="2400" kern="0">
+                        <a:rPr lang="en" sz="2400" kern="0">
                           <a:effectLst/>
                           <a:latin typeface="Segoe UI" panose="020B0502040204020203" pitchFamily="34" charset="0"/>
                           <a:cs typeface="Segoe UI" panose="020B0502040204020203" pitchFamily="34" charset="0"/>
                         </a:rPr>
-                        <a:t>Field(s)</a:t>
+                        <a:t>Domain(s)</a:t>
                       </a:r>
                       <a:endParaRPr lang="en-US" sz="1800" b="1" kern="0">
                         <a:effectLst/>
@@ -3710,7 +3710,7 @@
                         </a:spcAft>
                       </a:pPr>
                       <a:r>
-                        <a:rPr lang="fr-FR" sz="2400" kern="0" dirty="0" err="1" smtClean="0">
+                        <a:rPr lang="en" sz="2400" kern="0" dirty="0" err="1" smtClean="0">
                           <a:effectLst/>
                           <a:latin typeface="Segoe UI" panose="020B0502040204020203" pitchFamily="34" charset="0"/>
                           <a:cs typeface="Segoe UI" panose="020B0502040204020203" pitchFamily="34" charset="0"/>
@@ -3744,15 +3744,15 @@
                         </a:spcAft>
                       </a:pPr>
                       <a:r>
-                        <a:rPr lang="fr-FR" sz="2400" kern="0" dirty="0" err="1" smtClean="0">
+                        <a:rPr lang="en" sz="2400" kern="0" dirty="0" err="1" smtClean="0">
                           <a:effectLst/>
                           <a:latin typeface="Segoe UI" panose="020B0502040204020203" pitchFamily="34" charset="0"/>
                           <a:cs typeface="Segoe UI" panose="020B0502040204020203" pitchFamily="34" charset="0"/>
                         </a:rPr>
-                        <a:t>CalendarYear</a:t>
+                        <a:t>Calendar year</a:t>
                       </a:r>
                       <a:r>
-                        <a:rPr lang="fr-FR" sz="2400" kern="0" dirty="0" smtClean="0">
+                        <a:rPr lang="en" sz="2400" kern="0" dirty="0" smtClean="0">
                           <a:effectLst/>
                           <a:latin typeface="Segoe UI" panose="020B0502040204020203" pitchFamily="34" charset="0"/>
                           <a:cs typeface="Segoe UI" panose="020B0502040204020203" pitchFamily="34" charset="0"/>
@@ -3803,12 +3803,12 @@
                         </a:spcAft>
                       </a:pPr>
                       <a:r>
-                        <a:rPr lang="fr-FR" sz="2400" kern="0" dirty="0" err="1" smtClean="0">
+                        <a:rPr lang="en" sz="2400" kern="0" dirty="0" err="1" smtClean="0">
                           <a:effectLst/>
                           <a:latin typeface="Segoe UI" panose="020B0502040204020203" pitchFamily="34" charset="0"/>
                           <a:cs typeface="Segoe UI" panose="020B0502040204020203" pitchFamily="34" charset="0"/>
                         </a:rPr>
-                        <a:t>EnglishMonthName</a:t>
+                        <a:t>Name of the month in English</a:t>
                       </a:r>
                       <a:endParaRPr lang="en-US" sz="1800" b="1" kern="0" dirty="0">
                         <a:effectLst/>
@@ -3844,7 +3844,7 @@
                         </a:spcAft>
                       </a:pPr>
                       <a:r>
-                        <a:rPr lang="fr-FR" sz="2400" kern="0" dirty="0">
+                        <a:rPr lang="en" sz="2400" kern="0" dirty="0">
                           <a:effectLst/>
                           <a:latin typeface="Segoe UI" panose="020B0502040204020203" pitchFamily="34" charset="0"/>
                           <a:cs typeface="Segoe UI" panose="020B0502040204020203" pitchFamily="34" charset="0"/>
@@ -3878,12 +3878,12 @@
                         </a:spcAft>
                       </a:pPr>
                       <a:r>
-                        <a:rPr lang="fr-FR" sz="2400" kern="0" dirty="0" err="1" smtClean="0">
+                        <a:rPr lang="en" sz="2400" kern="0" dirty="0" err="1" smtClean="0">
                           <a:effectLst/>
                           <a:latin typeface="Segoe UI" panose="020B0502040204020203" pitchFamily="34" charset="0"/>
                           <a:cs typeface="Segoe UI" panose="020B0502040204020203" pitchFamily="34" charset="0"/>
                         </a:rPr>
-                        <a:t>OrderQuantity</a:t>
+                        <a:t>Quantity ordered</a:t>
                       </a:r>
                       <a:endParaRPr lang="en-US" sz="1800" b="1" kern="0" dirty="0">
                         <a:effectLst/>
@@ -3919,12 +3919,12 @@
                         </a:spcAft>
                       </a:pPr>
                       <a:r>
-                        <a:rPr lang="fr-FR" sz="2400" kern="0">
+                        <a:rPr lang="en" sz="2400" kern="0">
                           <a:effectLst/>
                           <a:latin typeface="Segoe UI" panose="020B0502040204020203" pitchFamily="34" charset="0"/>
                           <a:cs typeface="Segoe UI" panose="020B0502040204020203" pitchFamily="34" charset="0"/>
                         </a:rPr>
-                        <a:t>Tootips</a:t>
+                        <a:t>Tips</a:t>
                       </a:r>
                       <a:endParaRPr lang="en-US" sz="1800" b="1" kern="0">
                         <a:effectLst/>
@@ -3953,12 +3953,12 @@
                         </a:spcAft>
                       </a:pPr>
                       <a:r>
-                        <a:rPr lang="fr-FR" sz="2400" kern="0" dirty="0" err="1" smtClean="0">
+                        <a:rPr lang="en" sz="2400" kern="0" dirty="0" err="1" smtClean="0">
                           <a:effectLst/>
                           <a:latin typeface="Segoe UI" panose="020B0502040204020203" pitchFamily="34" charset="0"/>
                           <a:cs typeface="Segoe UI" panose="020B0502040204020203" pitchFamily="34" charset="0"/>
                         </a:rPr>
-                        <a:t>SalesAmount</a:t>
+                        <a:t>Sales amount</a:t>
                       </a:r>
                       <a:endParaRPr lang="en-US" sz="1800" b="1" kern="0" dirty="0">
                         <a:effectLst/>
@@ -4013,12 +4013,12 @@
               </a:spcAft>
             </a:pPr>
             <a:r>
-              <a:rPr lang="en-US" kern="0" dirty="0" smtClean="0">
+              <a:rPr lang="en" kern="0" dirty="0" smtClean="0">
                 <a:latin typeface="Segoe UI" panose="020B0502040204020203" pitchFamily="34" charset="0"/>
                 <a:ea typeface="Times New Roman" panose="02020603050405020304" pitchFamily="18" charset="0"/>
                 <a:cs typeface="Times New Roman" panose="02020603050405020304" pitchFamily="18" charset="0"/>
               </a:rPr>
-              <a:t>This lab is using AdventureWorks2016DW data base </a:t>
+              <a:t>This lab uses the AdventureWorks2016DW database</a:t>
             </a:r>
             <a:endParaRPr lang="en-US" sz="2800" b="1" kern="0" dirty="0">
               <a:effectLst/>
@@ -4150,11 +4150,11 @@
           <a:lstStyle/>
           <a:p>
             <a:r>
-              <a:rPr lang="en-US" sz="2400" dirty="0" smtClean="0">
+              <a:rPr lang="en" sz="2400" dirty="0" smtClean="0">
                 <a:latin typeface="Segoe UI" panose="020B0502040204020203" pitchFamily="34" charset="0"/>
                 <a:cs typeface="Segoe UI" panose="020B0502040204020203" pitchFamily="34" charset="0"/>
               </a:rPr>
-              <a:t>The Funnels</a:t>
+              <a:t>The funnels</a:t>
             </a:r>
             <a:endParaRPr lang="en-US" sz="2400" dirty="0">
               <a:latin typeface="Segoe UI" panose="020B0502040204020203" pitchFamily="34" charset="0"/>
@@ -4193,7 +4193,7 @@
               </a:spcAft>
             </a:pPr>
             <a:r>
-              <a:rPr lang="fr-FR" dirty="0">
+              <a:rPr lang="en" dirty="0">
                 <a:latin typeface="Segoe UI" panose="020B0502040204020203" pitchFamily="34" charset="0"/>
                 <a:ea typeface="Calibri" panose="020F0502020204030204" pitchFamily="34" charset="0"/>
                 <a:cs typeface="Times New Roman" panose="02020603050405020304" pitchFamily="18" charset="0"/>
@@ -4201,47 +4201,47 @@
               <a:t>Observe the </a:t>
             </a:r>
             <a:r>
-              <a:rPr lang="fr-FR" b="1" dirty="0" err="1">
+              <a:rPr lang="en" b="1" dirty="0" err="1">
                 <a:latin typeface="Segoe UI" panose="020B0502040204020203" pitchFamily="34" charset="0"/>
                 <a:ea typeface="Calibri" panose="020F0502020204030204" pitchFamily="34" charset="0"/>
                 <a:cs typeface="Times New Roman" panose="02020603050405020304" pitchFamily="18" charset="0"/>
               </a:rPr>
-              <a:t>Funnel</a:t>
-            </a:r>
-            <a:r>
-              <a:rPr lang="fr-FR" b="1" dirty="0">
+              <a:t>funnel </a:t>
+            </a:r>
+            <a:r>
+              <a:rPr lang="en" b="1" dirty="0">
                 <a:latin typeface="Segoe UI" panose="020B0502040204020203" pitchFamily="34" charset="0"/>
                 <a:ea typeface="Calibri" panose="020F0502020204030204" pitchFamily="34" charset="0"/>
                 <a:cs typeface="Times New Roman" panose="02020603050405020304" pitchFamily="18" charset="0"/>
               </a:rPr>
-              <a:t> and </a:t>
-            </a:r>
-            <a:r>
-              <a:rPr lang="fr-FR" b="1" dirty="0" err="1">
+              <a:t>and </a:t>
+            </a:r>
+            <a:r>
+              <a:rPr lang="en" b="1" dirty="0" err="1">
                 <a:latin typeface="Segoe UI" panose="020B0502040204020203" pitchFamily="34" charset="0"/>
                 <a:ea typeface="Calibri" panose="020F0502020204030204" pitchFamily="34" charset="0"/>
                 <a:cs typeface="Times New Roman" panose="02020603050405020304" pitchFamily="18" charset="0"/>
               </a:rPr>
-              <a:t>try</a:t>
-            </a:r>
-            <a:r>
-              <a:rPr lang="fr-FR" b="1" dirty="0">
+              <a:t>try </a:t>
+            </a:r>
+            <a:r>
+              <a:rPr lang="en" b="1" dirty="0">
                 <a:latin typeface="Segoe UI" panose="020B0502040204020203" pitchFamily="34" charset="0"/>
                 <a:ea typeface="Calibri" panose="020F0502020204030204" pitchFamily="34" charset="0"/>
                 <a:cs typeface="Times New Roman" panose="02020603050405020304" pitchFamily="18" charset="0"/>
               </a:rPr>
-              <a:t> to </a:t>
-            </a:r>
-            <a:r>
-              <a:rPr lang="fr-FR" b="1" dirty="0" err="1">
+              <a:t>to </a:t>
+            </a:r>
+            <a:r>
+              <a:rPr lang="en" b="1" dirty="0" err="1">
                 <a:latin typeface="Segoe UI" panose="020B0502040204020203" pitchFamily="34" charset="0"/>
                 <a:ea typeface="Calibri" panose="020F0502020204030204" pitchFamily="34" charset="0"/>
                 <a:cs typeface="Times New Roman" panose="02020603050405020304" pitchFamily="18" charset="0"/>
               </a:rPr>
-              <a:t>perform</a:t>
-            </a:r>
-            <a:r>
-              <a:rPr lang="fr-FR" b="1" dirty="0">
+              <a:t>execute</a:t>
+            </a:r>
+            <a:r>
+              <a:rPr lang="en" b="1" dirty="0">
                 <a:latin typeface="Segoe UI" panose="020B0502040204020203" pitchFamily="34" charset="0"/>
                 <a:ea typeface="Calibri" panose="020F0502020204030204" pitchFamily="34" charset="0"/>
                 <a:cs typeface="Times New Roman" panose="02020603050405020304" pitchFamily="18" charset="0"/>
@@ -4249,15 +4249,15 @@
               <a:t> </a:t>
             </a:r>
             <a:r>
-              <a:rPr lang="fr-FR" b="1" dirty="0" err="1">
+              <a:rPr lang="en" b="1" dirty="0" err="1">
                 <a:latin typeface="Segoe UI" panose="020B0502040204020203" pitchFamily="34" charset="0"/>
                 <a:ea typeface="Calibri" panose="020F0502020204030204" pitchFamily="34" charset="0"/>
                 <a:cs typeface="Times New Roman" panose="02020603050405020304" pitchFamily="18" charset="0"/>
               </a:rPr>
-              <a:t>Drillthrough</a:t>
-            </a:r>
-            <a:r>
-              <a:rPr lang="fr-FR" b="1" dirty="0">
+              <a:t>Exploration</a:t>
+            </a:r>
+            <a:r>
+              <a:rPr lang="en" b="1" dirty="0">
                 <a:latin typeface="Segoe UI" panose="020B0502040204020203" pitchFamily="34" charset="0"/>
                 <a:ea typeface="Calibri" panose="020F0502020204030204" pitchFamily="34" charset="0"/>
                 <a:cs typeface="Times New Roman" panose="02020603050405020304" pitchFamily="18" charset="0"/>
@@ -4265,7 +4265,7 @@
               <a:t> </a:t>
             </a:r>
             <a:r>
-              <a:rPr lang="fr-FR" dirty="0" err="1">
+              <a:rPr lang="en" dirty="0" err="1">
                 <a:latin typeface="Segoe UI" panose="020B0502040204020203" pitchFamily="34" charset="0"/>
                 <a:ea typeface="Calibri" panose="020F0502020204030204" pitchFamily="34" charset="0"/>
                 <a:cs typeface="Times New Roman" panose="02020603050405020304" pitchFamily="18" charset="0"/>
@@ -4273,7 +4273,7 @@
               <a:t>operations</a:t>
             </a:r>
             <a:r>
-              <a:rPr lang="fr-FR" b="1" dirty="0">
+              <a:rPr lang="en" b="1" dirty="0">
                 <a:latin typeface="Segoe UI" panose="020B0502040204020203" pitchFamily="34" charset="0"/>
                 <a:ea typeface="Calibri" panose="020F0502020204030204" pitchFamily="34" charset="0"/>
                 <a:cs typeface="Times New Roman" panose="02020603050405020304" pitchFamily="18" charset="0"/>
@@ -4281,31 +4281,31 @@
               <a:t> </a:t>
             </a:r>
             <a:r>
-              <a:rPr lang="fr-FR" dirty="0" err="1">
+              <a:rPr lang="en" dirty="0" err="1">
                 <a:latin typeface="Segoe UI" panose="020B0502040204020203" pitchFamily="34" charset="0"/>
                 <a:ea typeface="Calibri" panose="020F0502020204030204" pitchFamily="34" charset="0"/>
                 <a:cs typeface="Times New Roman" panose="02020603050405020304" pitchFamily="18" charset="0"/>
               </a:rPr>
-              <a:t>provided</a:t>
-            </a:r>
-            <a:r>
-              <a:rPr lang="fr-FR" dirty="0">
+              <a:t>provided </a:t>
+            </a:r>
+            <a:r>
+              <a:rPr lang="en" dirty="0">
                 <a:latin typeface="Segoe UI" panose="020B0502040204020203" pitchFamily="34" charset="0"/>
                 <a:ea typeface="Calibri" panose="020F0502020204030204" pitchFamily="34" charset="0"/>
                 <a:cs typeface="Times New Roman" panose="02020603050405020304" pitchFamily="18" charset="0"/>
               </a:rPr>
-              <a:t> by the menu at the </a:t>
-            </a:r>
-            <a:r>
-              <a:rPr lang="fr-FR" dirty="0" smtClean="0">
+              <a:t>by the menu at </a:t>
+            </a:r>
+            <a:r>
+              <a:rPr lang="en" dirty="0" smtClean="0">
                 <a:latin typeface="Segoe UI" panose="020B0502040204020203" pitchFamily="34" charset="0"/>
                 <a:ea typeface="Calibri" panose="020F0502020204030204" pitchFamily="34" charset="0"/>
                 <a:cs typeface="Times New Roman" panose="02020603050405020304" pitchFamily="18" charset="0"/>
               </a:rPr>
-              <a:t>top </a:t>
-            </a:r>
-            <a:r>
-              <a:rPr lang="fr-FR" dirty="0">
+              <a:t>the top </a:t>
+            </a:r>
+            <a:r>
+              <a:rPr lang="en" dirty="0">
                 <a:latin typeface="Segoe UI" panose="020B0502040204020203" pitchFamily="34" charset="0"/>
                 <a:ea typeface="Calibri" panose="020F0502020204030204" pitchFamily="34" charset="0"/>
                 <a:cs typeface="Times New Roman" panose="02020603050405020304" pitchFamily="18" charset="0"/>
@@ -4456,11 +4456,11 @@
           <a:lstStyle/>
           <a:p>
             <a:r>
-              <a:rPr lang="en-US" sz="2400" dirty="0" smtClean="0">
+              <a:rPr lang="en" sz="2400" dirty="0" smtClean="0">
                 <a:latin typeface="Segoe UI" panose="020B0502040204020203" pitchFamily="34" charset="0"/>
                 <a:cs typeface="Segoe UI" panose="020B0502040204020203" pitchFamily="34" charset="0"/>
               </a:rPr>
-              <a:t>The Funnels</a:t>
+              <a:t>The funnels</a:t>
             </a:r>
             <a:endParaRPr lang="en-US" sz="2400" dirty="0">
               <a:latin typeface="Segoe UI" panose="020B0502040204020203" pitchFamily="34" charset="0"/>
@@ -4499,7 +4499,7 @@
               </a:spcAft>
             </a:pPr>
             <a:r>
-              <a:rPr lang="en-US" dirty="0" smtClean="0">
+              <a:rPr lang="en" dirty="0" smtClean="0">
                 <a:latin typeface="Segoe UI" panose="020B0502040204020203" pitchFamily="34" charset="0"/>
                 <a:ea typeface="Calibri" panose="020F0502020204030204" pitchFamily="34" charset="0"/>
                 <a:cs typeface="Times New Roman" panose="02020603050405020304" pitchFamily="18" charset="0"/>

--- a/English/6.Visuals/10.The Funnels.pptx
+++ b/English/6.Visuals/10.The Funnels.pptx
@@ -201,7 +201,7 @@
           <a:p>
             <a:fld id="{056BA3B8-9F76-4D81-B71D-76CB85363062}" type="datetimeFigureOut">
               <a:rPr lang="en-US" smtClean="0"/>
-              <a:t>4/3/2025</a:t>
+              <a:t>4/5/2025</a:t>
             </a:fld>
             <a:endParaRPr lang="en-US"/>
           </a:p>
@@ -469,6 +469,174 @@
 </p:notesMaster>
 </file>
 
+<file path=ppt/notesSlides/notesSlide1.xml><?xml version="1.0" encoding="utf-8"?>
+<p:notes xmlns:a="http://schemas.openxmlformats.org/drawingml/2006/main" xmlns:r="http://schemas.openxmlformats.org/officeDocument/2006/relationships" xmlns:p="http://schemas.openxmlformats.org/presentationml/2006/main">
+  <p:cSld>
+    <p:spTree>
+      <p:nvGrpSpPr>
+        <p:cNvPr id="1" name=""/>
+        <p:cNvGrpSpPr/>
+        <p:nvPr/>
+      </p:nvGrpSpPr>
+      <p:grpSpPr>
+        <a:xfrm>
+          <a:off x="0" y="0"/>
+          <a:ext cx="0" cy="0"/>
+          <a:chOff x="0" y="0"/>
+          <a:chExt cx="0" cy="0"/>
+        </a:xfrm>
+      </p:grpSpPr>
+      <p:sp>
+        <p:nvSpPr>
+          <p:cNvPr id="2" name="Slide Image Placeholder 1"/>
+          <p:cNvSpPr>
+            <a:spLocks noGrp="1" noRot="1" noChangeAspect="1"/>
+          </p:cNvSpPr>
+          <p:nvPr>
+            <p:ph type="sldImg"/>
+          </p:nvPr>
+        </p:nvSpPr>
+        <p:spPr/>
+      </p:sp>
+      <p:sp>
+        <p:nvSpPr>
+          <p:cNvPr id="3" name="Notes Placeholder 2"/>
+          <p:cNvSpPr>
+            <a:spLocks noGrp="1"/>
+          </p:cNvSpPr>
+          <p:nvPr>
+            <p:ph type="body" idx="1"/>
+          </p:nvPr>
+        </p:nvSpPr>
+        <p:spPr/>
+        <p:txBody>
+          <a:bodyPr/>
+          <a:lstStyle/>
+          <a:p>
+            <a:endParaRPr lang="en-US" dirty="0"/>
+          </a:p>
+        </p:txBody>
+      </p:sp>
+      <p:sp>
+        <p:nvSpPr>
+          <p:cNvPr id="4" name="Slide Number Placeholder 3"/>
+          <p:cNvSpPr>
+            <a:spLocks noGrp="1"/>
+          </p:cNvSpPr>
+          <p:nvPr>
+            <p:ph type="sldNum" sz="quarter" idx="10"/>
+          </p:nvPr>
+        </p:nvSpPr>
+        <p:spPr/>
+        <p:txBody>
+          <a:bodyPr/>
+          <a:lstStyle/>
+          <a:p>
+            <a:fld id="{C583D03D-12F8-4E91-BBC2-CE3A863157FF}" type="slidenum">
+              <a:rPr lang="en-US" smtClean="0"/>
+              <a:t>3</a:t>
+            </a:fld>
+            <a:endParaRPr lang="en-US"/>
+          </a:p>
+        </p:txBody>
+      </p:sp>
+    </p:spTree>
+    <p:extLst>
+      <p:ext uri="{BB962C8B-B14F-4D97-AF65-F5344CB8AC3E}">
+        <p14:creationId xmlns:p14="http://schemas.microsoft.com/office/powerpoint/2010/main" val="770895853"/>
+      </p:ext>
+    </p:extLst>
+  </p:cSld>
+  <p:clrMapOvr>
+    <a:masterClrMapping/>
+  </p:clrMapOvr>
+</p:notes>
+</file>
+
+<file path=ppt/notesSlides/notesSlide2.xml><?xml version="1.0" encoding="utf-8"?>
+<p:notes xmlns:a="http://schemas.openxmlformats.org/drawingml/2006/main" xmlns:r="http://schemas.openxmlformats.org/officeDocument/2006/relationships" xmlns:p="http://schemas.openxmlformats.org/presentationml/2006/main">
+  <p:cSld>
+    <p:spTree>
+      <p:nvGrpSpPr>
+        <p:cNvPr id="1" name=""/>
+        <p:cNvGrpSpPr/>
+        <p:nvPr/>
+      </p:nvGrpSpPr>
+      <p:grpSpPr>
+        <a:xfrm>
+          <a:off x="0" y="0"/>
+          <a:ext cx="0" cy="0"/>
+          <a:chOff x="0" y="0"/>
+          <a:chExt cx="0" cy="0"/>
+        </a:xfrm>
+      </p:grpSpPr>
+      <p:sp>
+        <p:nvSpPr>
+          <p:cNvPr id="2" name="Slide Image Placeholder 1"/>
+          <p:cNvSpPr>
+            <a:spLocks noGrp="1" noRot="1" noChangeAspect="1"/>
+          </p:cNvSpPr>
+          <p:nvPr>
+            <p:ph type="sldImg"/>
+          </p:nvPr>
+        </p:nvSpPr>
+        <p:spPr/>
+      </p:sp>
+      <p:sp>
+        <p:nvSpPr>
+          <p:cNvPr id="3" name="Notes Placeholder 2"/>
+          <p:cNvSpPr>
+            <a:spLocks noGrp="1"/>
+          </p:cNvSpPr>
+          <p:nvPr>
+            <p:ph type="body" idx="1"/>
+          </p:nvPr>
+        </p:nvSpPr>
+        <p:spPr/>
+        <p:txBody>
+          <a:bodyPr/>
+          <a:lstStyle/>
+          <a:p>
+            <a:endParaRPr lang="en-US" dirty="0"/>
+          </a:p>
+        </p:txBody>
+      </p:sp>
+      <p:sp>
+        <p:nvSpPr>
+          <p:cNvPr id="4" name="Slide Number Placeholder 3"/>
+          <p:cNvSpPr>
+            <a:spLocks noGrp="1"/>
+          </p:cNvSpPr>
+          <p:nvPr>
+            <p:ph type="sldNum" sz="quarter" idx="10"/>
+          </p:nvPr>
+        </p:nvSpPr>
+        <p:spPr/>
+        <p:txBody>
+          <a:bodyPr/>
+          <a:lstStyle/>
+          <a:p>
+            <a:fld id="{C583D03D-12F8-4E91-BBC2-CE3A863157FF}" type="slidenum">
+              <a:rPr lang="en-US" smtClean="0"/>
+              <a:t>4</a:t>
+            </a:fld>
+            <a:endParaRPr lang="en-US"/>
+          </a:p>
+        </p:txBody>
+      </p:sp>
+    </p:spTree>
+    <p:extLst>
+      <p:ext uri="{BB962C8B-B14F-4D97-AF65-F5344CB8AC3E}">
+        <p14:creationId xmlns:p14="http://schemas.microsoft.com/office/powerpoint/2010/main" val="4204728307"/>
+      </p:ext>
+    </p:extLst>
+  </p:cSld>
+  <p:clrMapOvr>
+    <a:masterClrMapping/>
+  </p:clrMapOvr>
+</p:notes>
+</file>
+
 <file path=ppt/slideLayouts/slideLayout1.xml><?xml version="1.0" encoding="utf-8"?>
 <p:sldLayout xmlns:a="http://schemas.openxmlformats.org/drawingml/2006/main" xmlns:r="http://schemas.openxmlformats.org/officeDocument/2006/relationships" xmlns:p="http://schemas.openxmlformats.org/presentationml/2006/main" type="title" preserve="1">
   <p:cSld name="Title Slide">
@@ -600,7 +768,7 @@
           <a:p>
             <a:fld id="{6F01DA4D-20EA-48D2-973C-0311EC3005D6}" type="datetimeFigureOut">
               <a:rPr lang="en-US" smtClean="0"/>
-              <a:t>4/3/2025</a:t>
+              <a:t>4/5/2025</a:t>
             </a:fld>
             <a:endParaRPr lang="en-US"/>
           </a:p>
@@ -770,7 +938,7 @@
           <a:p>
             <a:fld id="{6F01DA4D-20EA-48D2-973C-0311EC3005D6}" type="datetimeFigureOut">
               <a:rPr lang="en-US" smtClean="0"/>
-              <a:t>4/3/2025</a:t>
+              <a:t>4/5/2025</a:t>
             </a:fld>
             <a:endParaRPr lang="en-US"/>
           </a:p>
@@ -950,7 +1118,7 @@
           <a:p>
             <a:fld id="{6F01DA4D-20EA-48D2-973C-0311EC3005D6}" type="datetimeFigureOut">
               <a:rPr lang="en-US" smtClean="0"/>
-              <a:t>4/3/2025</a:t>
+              <a:t>4/5/2025</a:t>
             </a:fld>
             <a:endParaRPr lang="en-US"/>
           </a:p>
@@ -1120,7 +1288,7 @@
           <a:p>
             <a:fld id="{6F01DA4D-20EA-48D2-973C-0311EC3005D6}" type="datetimeFigureOut">
               <a:rPr lang="en-US" smtClean="0"/>
-              <a:t>4/3/2025</a:t>
+              <a:t>4/5/2025</a:t>
             </a:fld>
             <a:endParaRPr lang="en-US"/>
           </a:p>
@@ -1366,7 +1534,7 @@
           <a:p>
             <a:fld id="{6F01DA4D-20EA-48D2-973C-0311EC3005D6}" type="datetimeFigureOut">
               <a:rPr lang="en-US" smtClean="0"/>
-              <a:t>4/3/2025</a:t>
+              <a:t>4/5/2025</a:t>
             </a:fld>
             <a:endParaRPr lang="en-US"/>
           </a:p>
@@ -1598,7 +1766,7 @@
           <a:p>
             <a:fld id="{6F01DA4D-20EA-48D2-973C-0311EC3005D6}" type="datetimeFigureOut">
               <a:rPr lang="en-US" smtClean="0"/>
-              <a:t>4/3/2025</a:t>
+              <a:t>4/5/2025</a:t>
             </a:fld>
             <a:endParaRPr lang="en-US"/>
           </a:p>
@@ -1965,7 +2133,7 @@
           <a:p>
             <a:fld id="{6F01DA4D-20EA-48D2-973C-0311EC3005D6}" type="datetimeFigureOut">
               <a:rPr lang="en-US" smtClean="0"/>
-              <a:t>4/3/2025</a:t>
+              <a:t>4/5/2025</a:t>
             </a:fld>
             <a:endParaRPr lang="en-US"/>
           </a:p>
@@ -2083,7 +2251,7 @@
           <a:p>
             <a:fld id="{6F01DA4D-20EA-48D2-973C-0311EC3005D6}" type="datetimeFigureOut">
               <a:rPr lang="en-US" smtClean="0"/>
-              <a:t>4/3/2025</a:t>
+              <a:t>4/5/2025</a:t>
             </a:fld>
             <a:endParaRPr lang="en-US"/>
           </a:p>
@@ -2178,7 +2346,7 @@
           <a:p>
             <a:fld id="{6F01DA4D-20EA-48D2-973C-0311EC3005D6}" type="datetimeFigureOut">
               <a:rPr lang="en-US" smtClean="0"/>
-              <a:t>4/3/2025</a:t>
+              <a:t>4/5/2025</a:t>
             </a:fld>
             <a:endParaRPr lang="en-US"/>
           </a:p>
@@ -2455,7 +2623,7 @@
           <a:p>
             <a:fld id="{6F01DA4D-20EA-48D2-973C-0311EC3005D6}" type="datetimeFigureOut">
               <a:rPr lang="en-US" smtClean="0"/>
-              <a:t>4/3/2025</a:t>
+              <a:t>4/5/2025</a:t>
             </a:fld>
             <a:endParaRPr lang="en-US"/>
           </a:p>
@@ -2708,7 +2876,7 @@
           <a:p>
             <a:fld id="{6F01DA4D-20EA-48D2-973C-0311EC3005D6}" type="datetimeFigureOut">
               <a:rPr lang="en-US" smtClean="0"/>
-              <a:t>4/3/2025</a:t>
+              <a:t>4/5/2025</a:t>
             </a:fld>
             <a:endParaRPr lang="en-US"/>
           </a:p>
@@ -2921,7 +3089,7 @@
           <a:p>
             <a:fld id="{6F01DA4D-20EA-48D2-973C-0311EC3005D6}" type="datetimeFigureOut">
               <a:rPr lang="en-US" smtClean="0"/>
-              <a:t>4/3/2025</a:t>
+              <a:t>4/5/2025</a:t>
             </a:fld>
             <a:endParaRPr lang="en-US"/>
           </a:p>
@@ -3577,409 +3745,6 @@
           </a:p>
         </p:txBody>
       </p:sp>
-      <p:graphicFrame>
-        <p:nvGraphicFramePr>
-          <p:cNvPr id="5" name="Table 4"/>
-          <p:cNvGraphicFramePr>
-            <a:graphicFrameLocks noGrp="1"/>
-          </p:cNvGraphicFramePr>
-          <p:nvPr>
-            <p:extLst>
-              <p:ext uri="{D42A27DB-BD31-4B8C-83A1-F6EECF244321}">
-                <p14:modId xmlns:p14="http://schemas.microsoft.com/office/powerpoint/2010/main" val="1533677628"/>
-              </p:ext>
-            </p:extLst>
-          </p:nvPr>
-        </p:nvGraphicFramePr>
-        <p:xfrm>
-          <a:off x="454477" y="1976544"/>
-          <a:ext cx="6057900" cy="1956755"/>
-        </p:xfrm>
-        <a:graphic>
-          <a:graphicData uri="http://schemas.openxmlformats.org/drawingml/2006/table">
-            <a:tbl>
-              <a:tblPr firstRow="1" bandRow="1">
-                <a:tableStyleId>{5C22544A-7EE6-4342-B048-85BDC9FD1C3A}</a:tableStyleId>
-              </a:tblPr>
-              <a:tblGrid>
-                <a:gridCol w="3028950">
-                  <a:extLst>
-                    <a:ext uri="{9D8B030D-6E8A-4147-A177-3AD203B41FA5}">
-                      <a16:colId xmlns:a16="http://schemas.microsoft.com/office/drawing/2014/main" val="3558837081"/>
-                    </a:ext>
-                  </a:extLst>
-                </a:gridCol>
-                <a:gridCol w="3028950">
-                  <a:extLst>
-                    <a:ext uri="{9D8B030D-6E8A-4147-A177-3AD203B41FA5}">
-                      <a16:colId xmlns:a16="http://schemas.microsoft.com/office/drawing/2014/main" val="2548555440"/>
-                    </a:ext>
-                  </a:extLst>
-                </a:gridCol>
-              </a:tblGrid>
-              <a:tr h="239395">
-                <a:tc>
-                  <a:txBody>
-                    <a:bodyPr/>
-                    <a:lstStyle/>
-                    <a:p>
-                      <a:pPr algn="ctr">
-                        <a:lnSpc>
-                          <a:spcPct val="107000"/>
-                        </a:lnSpc>
-                        <a:spcBef>
-                          <a:spcPts val="1200"/>
-                        </a:spcBef>
-                        <a:spcAft>
-                          <a:spcPts val="0"/>
-                        </a:spcAft>
-                      </a:pPr>
-                      <a:r>
-                        <a:rPr lang="en" sz="2400" kern="0">
-                          <a:effectLst/>
-                          <a:latin typeface="Segoe UI" panose="020B0502040204020203" pitchFamily="34" charset="0"/>
-                          <a:cs typeface="Segoe UI" panose="020B0502040204020203" pitchFamily="34" charset="0"/>
-                        </a:rPr>
-                        <a:t>Setting</a:t>
-                      </a:r>
-                      <a:endParaRPr lang="en-US" sz="1800" b="1" kern="0">
-                        <a:effectLst/>
-                        <a:latin typeface="Segoe UI" panose="020B0502040204020203" pitchFamily="34" charset="0"/>
-                        <a:ea typeface="Times New Roman" panose="02020603050405020304" pitchFamily="18" charset="0"/>
-                        <a:cs typeface="Segoe UI" panose="020B0502040204020203" pitchFamily="34" charset="0"/>
-                      </a:endParaRPr>
-                    </a:p>
-                  </a:txBody>
-                  <a:tcPr marL="68580" marR="68580" marT="0" marB="0"/>
-                </a:tc>
-                <a:tc>
-                  <a:txBody>
-                    <a:bodyPr/>
-                    <a:lstStyle/>
-                    <a:p>
-                      <a:pPr algn="ctr">
-                        <a:lnSpc>
-                          <a:spcPct val="107000"/>
-                        </a:lnSpc>
-                        <a:spcBef>
-                          <a:spcPts val="1200"/>
-                        </a:spcBef>
-                        <a:spcAft>
-                          <a:spcPts val="0"/>
-                        </a:spcAft>
-                      </a:pPr>
-                      <a:r>
-                        <a:rPr lang="en" sz="2400" kern="0">
-                          <a:effectLst/>
-                          <a:latin typeface="Segoe UI" panose="020B0502040204020203" pitchFamily="34" charset="0"/>
-                          <a:cs typeface="Segoe UI" panose="020B0502040204020203" pitchFamily="34" charset="0"/>
-                        </a:rPr>
-                        <a:t>Domain(s)</a:t>
-                      </a:r>
-                      <a:endParaRPr lang="en-US" sz="1800" b="1" kern="0">
-                        <a:effectLst/>
-                        <a:latin typeface="Segoe UI" panose="020B0502040204020203" pitchFamily="34" charset="0"/>
-                        <a:ea typeface="Times New Roman" panose="02020603050405020304" pitchFamily="18" charset="0"/>
-                        <a:cs typeface="Segoe UI" panose="020B0502040204020203" pitchFamily="34" charset="0"/>
-                      </a:endParaRPr>
-                    </a:p>
-                  </a:txBody>
-                  <a:tcPr marL="68580" marR="68580" marT="0" marB="0"/>
-                </a:tc>
-                <a:extLst>
-                  <a:ext uri="{0D108BD9-81ED-4DB2-BD59-A6C34878D82A}">
-                    <a16:rowId xmlns:a16="http://schemas.microsoft.com/office/drawing/2014/main" val="3081339498"/>
-                  </a:ext>
-                </a:extLst>
-              </a:tr>
-              <a:tr h="0">
-                <a:tc rowSpan="2">
-                  <a:txBody>
-                    <a:bodyPr/>
-                    <a:lstStyle/>
-                    <a:p>
-                      <a:pPr>
-                        <a:lnSpc>
-                          <a:spcPct val="107000"/>
-                        </a:lnSpc>
-                        <a:spcBef>
-                          <a:spcPts val="1200"/>
-                        </a:spcBef>
-                        <a:spcAft>
-                          <a:spcPts val="0"/>
-                        </a:spcAft>
-                      </a:pPr>
-                      <a:r>
-                        <a:rPr lang="en" sz="2400" kern="0" dirty="0" err="1" smtClean="0">
-                          <a:effectLst/>
-                          <a:latin typeface="Segoe UI" panose="020B0502040204020203" pitchFamily="34" charset="0"/>
-                          <a:cs typeface="Segoe UI" panose="020B0502040204020203" pitchFamily="34" charset="0"/>
-                        </a:rPr>
-                        <a:t>Category</a:t>
-                      </a:r>
-                      <a:endParaRPr lang="en-US" sz="1800" b="1" kern="0" dirty="0">
-                        <a:effectLst/>
-                        <a:latin typeface="Segoe UI" panose="020B0502040204020203" pitchFamily="34" charset="0"/>
-                        <a:ea typeface="Times New Roman" panose="02020603050405020304" pitchFamily="18" charset="0"/>
-                        <a:cs typeface="Segoe UI" panose="020B0502040204020203" pitchFamily="34" charset="0"/>
-                      </a:endParaRPr>
-                    </a:p>
-                  </a:txBody>
-                  <a:tcPr marL="68580" marR="68580" marT="0" marB="0"/>
-                </a:tc>
-                <a:tc>
-                  <a:txBody>
-                    <a:bodyPr/>
-                    <a:lstStyle/>
-                    <a:p>
-                      <a:pPr>
-                        <a:lnSpc>
-                          <a:spcPct val="107000"/>
-                        </a:lnSpc>
-                        <a:spcBef>
-                          <a:spcPts val="1200"/>
-                        </a:spcBef>
-                        <a:spcAft>
-                          <a:spcPts val="0"/>
-                        </a:spcAft>
-                      </a:pPr>
-                      <a:r>
-                        <a:rPr lang="en" sz="2400" kern="0" dirty="0" err="1" smtClean="0">
-                          <a:effectLst/>
-                          <a:latin typeface="Segoe UI" panose="020B0502040204020203" pitchFamily="34" charset="0"/>
-                          <a:cs typeface="Segoe UI" panose="020B0502040204020203" pitchFamily="34" charset="0"/>
-                        </a:rPr>
-                        <a:t>Calendar year</a:t>
-                      </a:r>
-                      <a:r>
-                        <a:rPr lang="en" sz="2400" kern="0" dirty="0" smtClean="0">
-                          <a:effectLst/>
-                          <a:latin typeface="Segoe UI" panose="020B0502040204020203" pitchFamily="34" charset="0"/>
-                          <a:cs typeface="Segoe UI" panose="020B0502040204020203" pitchFamily="34" charset="0"/>
-                        </a:rPr>
-                        <a:t> </a:t>
-                      </a:r>
-                      <a:endParaRPr lang="en-US" sz="1800" b="1" kern="0" dirty="0">
-                        <a:effectLst/>
-                        <a:latin typeface="Segoe UI" panose="020B0502040204020203" pitchFamily="34" charset="0"/>
-                        <a:ea typeface="Times New Roman" panose="02020603050405020304" pitchFamily="18" charset="0"/>
-                        <a:cs typeface="Segoe UI" panose="020B0502040204020203" pitchFamily="34" charset="0"/>
-                      </a:endParaRPr>
-                    </a:p>
-                  </a:txBody>
-                  <a:tcPr marL="68580" marR="68580" marT="0" marB="0"/>
-                </a:tc>
-                <a:extLst>
-                  <a:ext uri="{0D108BD9-81ED-4DB2-BD59-A6C34878D82A}">
-                    <a16:rowId xmlns:a16="http://schemas.microsoft.com/office/drawing/2014/main" val="4233495885"/>
-                  </a:ext>
-                </a:extLst>
-              </a:tr>
-              <a:tr h="0">
-                <a:tc vMerge="1">
-                  <a:txBody>
-                    <a:bodyPr/>
-                    <a:lstStyle/>
-                    <a:p>
-                      <a:endParaRPr lang="en-US"/>
-                    </a:p>
-                  </a:txBody>
-                  <a:tcPr/>
-                </a:tc>
-                <a:tc>
-                  <a:txBody>
-                    <a:bodyPr/>
-                    <a:lstStyle/>
-                    <a:p>
-                      <a:pPr>
-                        <a:lnSpc>
-                          <a:spcPct val="107000"/>
-                        </a:lnSpc>
-                        <a:spcBef>
-                          <a:spcPts val="1200"/>
-                        </a:spcBef>
-                        <a:spcAft>
-                          <a:spcPts val="0"/>
-                        </a:spcAft>
-                      </a:pPr>
-                      <a:r>
-                        <a:rPr lang="en" sz="2400" kern="0" dirty="0" err="1" smtClean="0">
-                          <a:effectLst/>
-                          <a:latin typeface="Segoe UI" panose="020B0502040204020203" pitchFamily="34" charset="0"/>
-                          <a:cs typeface="Segoe UI" panose="020B0502040204020203" pitchFamily="34" charset="0"/>
-                        </a:rPr>
-                        <a:t>Name of the month in English</a:t>
-                      </a:r>
-                      <a:endParaRPr lang="en-US" sz="1800" b="1" kern="0" dirty="0">
-                        <a:effectLst/>
-                        <a:latin typeface="Segoe UI" panose="020B0502040204020203" pitchFamily="34" charset="0"/>
-                        <a:ea typeface="Times New Roman" panose="02020603050405020304" pitchFamily="18" charset="0"/>
-                        <a:cs typeface="Segoe UI" panose="020B0502040204020203" pitchFamily="34" charset="0"/>
-                      </a:endParaRPr>
-                    </a:p>
-                  </a:txBody>
-                  <a:tcPr marL="68580" marR="68580" marT="0" marB="0"/>
-                </a:tc>
-                <a:extLst>
-                  <a:ext uri="{0D108BD9-81ED-4DB2-BD59-A6C34878D82A}">
-                    <a16:rowId xmlns:a16="http://schemas.microsoft.com/office/drawing/2014/main" val="1220634107"/>
-                  </a:ext>
-                </a:extLst>
-              </a:tr>
-              <a:tr h="0">
-                <a:tc>
-                  <a:txBody>
-                    <a:bodyPr/>
-                    <a:lstStyle/>
-                    <a:p>
-                      <a:pPr>
-                        <a:lnSpc>
-                          <a:spcPct val="107000"/>
-                        </a:lnSpc>
-                        <a:spcBef>
-                          <a:spcPts val="1200"/>
-                        </a:spcBef>
-                        <a:spcAft>
-                          <a:spcPts val="0"/>
-                        </a:spcAft>
-                      </a:pPr>
-                      <a:r>
-                        <a:rPr lang="en" sz="2400" kern="0" dirty="0">
-                          <a:effectLst/>
-                          <a:latin typeface="Segoe UI" panose="020B0502040204020203" pitchFamily="34" charset="0"/>
-                          <a:cs typeface="Segoe UI" panose="020B0502040204020203" pitchFamily="34" charset="0"/>
-                        </a:rPr>
-                        <a:t>Values</a:t>
-                      </a:r>
-                      <a:endParaRPr lang="en-US" sz="1800" b="1" kern="0" dirty="0">
-                        <a:effectLst/>
-                        <a:latin typeface="Segoe UI" panose="020B0502040204020203" pitchFamily="34" charset="0"/>
-                        <a:ea typeface="Times New Roman" panose="02020603050405020304" pitchFamily="18" charset="0"/>
-                        <a:cs typeface="Segoe UI" panose="020B0502040204020203" pitchFamily="34" charset="0"/>
-                      </a:endParaRPr>
-                    </a:p>
-                  </a:txBody>
-                  <a:tcPr marL="68580" marR="68580" marT="0" marB="0"/>
-                </a:tc>
-                <a:tc>
-                  <a:txBody>
-                    <a:bodyPr/>
-                    <a:lstStyle/>
-                    <a:p>
-                      <a:pPr>
-                        <a:lnSpc>
-                          <a:spcPct val="107000"/>
-                        </a:lnSpc>
-                        <a:spcBef>
-                          <a:spcPts val="1200"/>
-                        </a:spcBef>
-                        <a:spcAft>
-                          <a:spcPts val="0"/>
-                        </a:spcAft>
-                      </a:pPr>
-                      <a:r>
-                        <a:rPr lang="en" sz="2400" kern="0" dirty="0" err="1" smtClean="0">
-                          <a:effectLst/>
-                          <a:latin typeface="Segoe UI" panose="020B0502040204020203" pitchFamily="34" charset="0"/>
-                          <a:cs typeface="Segoe UI" panose="020B0502040204020203" pitchFamily="34" charset="0"/>
-                        </a:rPr>
-                        <a:t>Quantity ordered</a:t>
-                      </a:r>
-                      <a:endParaRPr lang="en-US" sz="1800" b="1" kern="0" dirty="0">
-                        <a:effectLst/>
-                        <a:latin typeface="Segoe UI" panose="020B0502040204020203" pitchFamily="34" charset="0"/>
-                        <a:ea typeface="Times New Roman" panose="02020603050405020304" pitchFamily="18" charset="0"/>
-                        <a:cs typeface="Segoe UI" panose="020B0502040204020203" pitchFamily="34" charset="0"/>
-                      </a:endParaRPr>
-                    </a:p>
-                  </a:txBody>
-                  <a:tcPr marL="68580" marR="68580" marT="0" marB="0"/>
-                </a:tc>
-                <a:extLst>
-                  <a:ext uri="{0D108BD9-81ED-4DB2-BD59-A6C34878D82A}">
-                    <a16:rowId xmlns:a16="http://schemas.microsoft.com/office/drawing/2014/main" val="303029579"/>
-                  </a:ext>
-                </a:extLst>
-              </a:tr>
-              <a:tr h="0">
-                <a:tc>
-                  <a:txBody>
-                    <a:bodyPr/>
-                    <a:lstStyle/>
-                    <a:p>
-                      <a:pPr>
-                        <a:lnSpc>
-                          <a:spcPct val="107000"/>
-                        </a:lnSpc>
-                        <a:spcBef>
-                          <a:spcPts val="1200"/>
-                        </a:spcBef>
-                        <a:spcAft>
-                          <a:spcPts val="0"/>
-                        </a:spcAft>
-                      </a:pPr>
-                      <a:r>
-                        <a:rPr lang="en" sz="2400" kern="0">
-                          <a:effectLst/>
-                          <a:latin typeface="Segoe UI" panose="020B0502040204020203" pitchFamily="34" charset="0"/>
-                          <a:cs typeface="Segoe UI" panose="020B0502040204020203" pitchFamily="34" charset="0"/>
-                        </a:rPr>
-                        <a:t>Tips</a:t>
-                      </a:r>
-                      <a:endParaRPr lang="en-US" sz="1800" b="1" kern="0">
-                        <a:effectLst/>
-                        <a:latin typeface="Segoe UI" panose="020B0502040204020203" pitchFamily="34" charset="0"/>
-                        <a:ea typeface="Times New Roman" panose="02020603050405020304" pitchFamily="18" charset="0"/>
-                        <a:cs typeface="Segoe UI" panose="020B0502040204020203" pitchFamily="34" charset="0"/>
-                      </a:endParaRPr>
-                    </a:p>
-                  </a:txBody>
-                  <a:tcPr marL="68580" marR="68580" marT="0" marB="0"/>
-                </a:tc>
-                <a:tc>
-                  <a:txBody>
-                    <a:bodyPr/>
-                    <a:lstStyle/>
-                    <a:p>
-                      <a:pPr>
-                        <a:lnSpc>
-                          <a:spcPct val="107000"/>
-                        </a:lnSpc>
-                        <a:spcBef>
-                          <a:spcPts val="1200"/>
-                        </a:spcBef>
-                        <a:spcAft>
-                          <a:spcPts val="0"/>
-                        </a:spcAft>
-                      </a:pPr>
-                      <a:r>
-                        <a:rPr lang="en" sz="2400" kern="0" dirty="0" err="1" smtClean="0">
-                          <a:effectLst/>
-                          <a:latin typeface="Segoe UI" panose="020B0502040204020203" pitchFamily="34" charset="0"/>
-                          <a:cs typeface="Segoe UI" panose="020B0502040204020203" pitchFamily="34" charset="0"/>
-                        </a:rPr>
-                        <a:t>Sales amount</a:t>
-                      </a:r>
-                      <a:endParaRPr lang="en-US" sz="1800" b="1" kern="0" dirty="0">
-                        <a:effectLst/>
-                        <a:latin typeface="Segoe UI" panose="020B0502040204020203" pitchFamily="34" charset="0"/>
-                        <a:ea typeface="Times New Roman" panose="02020603050405020304" pitchFamily="18" charset="0"/>
-                        <a:cs typeface="Segoe UI" panose="020B0502040204020203" pitchFamily="34" charset="0"/>
-                      </a:endParaRPr>
-                    </a:p>
-                  </a:txBody>
-                  <a:tcPr marL="68580" marR="68580" marT="0" marB="0"/>
-                </a:tc>
-                <a:extLst>
-                  <a:ext uri="{0D108BD9-81ED-4DB2-BD59-A6C34878D82A}">
-                    <a16:rowId xmlns:a16="http://schemas.microsoft.com/office/drawing/2014/main" val="2711377103"/>
-                  </a:ext>
-                </a:extLst>
-              </a:tr>
-            </a:tbl>
-          </a:graphicData>
-        </a:graphic>
-      </p:graphicFrame>
       <p:sp>
         <p:nvSpPr>
           <p:cNvPr id="6" name="Rectangle 5"/>
@@ -3989,7 +3754,7 @@
         <p:spPr>
           <a:xfrm>
             <a:off x="323132" y="808108"/>
-            <a:ext cx="11472397" cy="366895"/>
+            <a:ext cx="11472397" cy="388696"/>
           </a:xfrm>
           <a:prstGeom prst="rect">
             <a:avLst/>
@@ -4018,9 +3783,25 @@
                 <a:ea typeface="Times New Roman" panose="02020603050405020304" pitchFamily="18" charset="0"/>
                 <a:cs typeface="Times New Roman" panose="02020603050405020304" pitchFamily="18" charset="0"/>
               </a:rPr>
-              <a:t>This lab uses the AdventureWorks2016DW database</a:t>
-            </a:r>
-            <a:endParaRPr lang="en-US" sz="2800" b="1" kern="0" dirty="0">
+              <a:t>This lab uses the </a:t>
+            </a:r>
+            <a:r>
+              <a:rPr lang="en" b="1" kern="0" dirty="0" smtClean="0">
+                <a:latin typeface="Segoe UI" panose="020B0502040204020203" pitchFamily="34" charset="0"/>
+                <a:ea typeface="Times New Roman" panose="02020603050405020304" pitchFamily="18" charset="0"/>
+                <a:cs typeface="Times New Roman" panose="02020603050405020304" pitchFamily="18" charset="0"/>
+              </a:rPr>
+              <a:t>Sales2019823.xls </a:t>
+            </a:r>
+            <a:r>
+              <a:rPr lang="en" kern="0" dirty="0" smtClean="0">
+                <a:latin typeface="Segoe UI" panose="020B0502040204020203" pitchFamily="34" charset="0"/>
+                <a:ea typeface="Times New Roman" panose="02020603050405020304" pitchFamily="18" charset="0"/>
+                <a:cs typeface="Times New Roman" panose="02020603050405020304" pitchFamily="18" charset="0"/>
+              </a:rPr>
+              <a:t>file of Excel sources</a:t>
+            </a:r>
+            <a:endParaRPr lang="en-US" sz="2800" kern="0" dirty="0">
               <a:effectLst/>
               <a:latin typeface="Segoe UI" panose="020B0502040204020203" pitchFamily="34" charset="0"/>
               <a:ea typeface="Times New Roman" panose="02020603050405020304" pitchFamily="18" charset="0"/>
@@ -4031,7 +3812,7 @@
       </p:sp>
       <p:pic>
         <p:nvPicPr>
-          <p:cNvPr id="4" name="Picture 3"/>
+          <p:cNvPr id="7" name="Picture 6"/>
           <p:cNvPicPr>
             <a:picLocks noChangeAspect="1"/>
           </p:cNvPicPr>
@@ -4045,24 +3826,134 @@
         </p:blipFill>
         <p:spPr>
           <a:xfrm>
-            <a:off x="6844194" y="1976544"/>
-            <a:ext cx="3523589" cy="3250930"/>
+            <a:off x="552112" y="1946002"/>
+            <a:ext cx="4839375" cy="3905795"/>
           </a:xfrm>
           <a:prstGeom prst="rect">
             <a:avLst/>
           </a:prstGeom>
+        </p:spPr>
+      </p:pic>
+      <p:pic>
+        <p:nvPicPr>
+          <p:cNvPr id="8" name="Picture 7"/>
+          <p:cNvPicPr>
+            <a:picLocks noChangeAspect="1"/>
+          </p:cNvPicPr>
+          <p:nvPr/>
+        </p:nvPicPr>
+        <p:blipFill>
+          <a:blip r:embed="rId3"/>
+          <a:stretch>
+            <a:fillRect/>
+          </a:stretch>
+        </p:blipFill>
+        <p:spPr>
+          <a:xfrm>
+            <a:off x="5878393" y="1946002"/>
+            <a:ext cx="2135681" cy="2410098"/>
+          </a:xfrm>
+          <a:prstGeom prst="rect">
+            <a:avLst/>
+          </a:prstGeom>
+        </p:spPr>
+      </p:pic>
+      <p:sp>
+        <p:nvSpPr>
+          <p:cNvPr id="9" name="Rectangle 8"/>
+          <p:cNvSpPr/>
+          <p:nvPr/>
+        </p:nvSpPr>
+        <p:spPr>
+          <a:xfrm>
+            <a:off x="5955633" y="2355850"/>
+            <a:ext cx="1994567" cy="431800"/>
+          </a:xfrm>
+          <a:prstGeom prst="rect">
+            <a:avLst/>
+          </a:prstGeom>
+          <a:solidFill>
+            <a:srgbClr val="FF0000">
+              <a:alpha val="12000"/>
+            </a:srgbClr>
+          </a:solidFill>
           <a:ln>
             <a:noFill/>
           </a:ln>
-          <a:effectLst>
-            <a:outerShdw blurRad="292100" dist="139700" dir="2700000" algn="tl" rotWithShape="0">
-              <a:srgbClr val="333333">
-                <a:alpha val="65000"/>
-              </a:srgbClr>
-            </a:outerShdw>
-          </a:effectLst>
-        </p:spPr>
-      </p:pic>
+        </p:spPr>
+        <p:style>
+          <a:lnRef idx="2">
+            <a:schemeClr val="accent1">
+              <a:shade val="50000"/>
+            </a:schemeClr>
+          </a:lnRef>
+          <a:fillRef idx="1">
+            <a:schemeClr val="accent1"/>
+          </a:fillRef>
+          <a:effectRef idx="0">
+            <a:schemeClr val="accent1"/>
+          </a:effectRef>
+          <a:fontRef idx="minor">
+            <a:schemeClr val="lt1"/>
+          </a:fontRef>
+        </p:style>
+        <p:txBody>
+          <a:bodyPr rtlCol="0" anchor="ctr"/>
+          <a:lstStyle/>
+          <a:p>
+            <a:pPr algn="ctr"/>
+            <a:endParaRPr lang="en-US"/>
+          </a:p>
+        </p:txBody>
+      </p:sp>
+      <p:sp>
+        <p:nvSpPr>
+          <p:cNvPr id="10" name="Rectangle 9"/>
+          <p:cNvSpPr/>
+          <p:nvPr/>
+        </p:nvSpPr>
+        <p:spPr>
+          <a:xfrm>
+            <a:off x="5955633" y="3172098"/>
+            <a:ext cx="1981200" cy="371202"/>
+          </a:xfrm>
+          <a:prstGeom prst="rect">
+            <a:avLst/>
+          </a:prstGeom>
+          <a:solidFill>
+            <a:srgbClr val="FF0000">
+              <a:alpha val="12000"/>
+            </a:srgbClr>
+          </a:solidFill>
+          <a:ln>
+            <a:noFill/>
+          </a:ln>
+        </p:spPr>
+        <p:style>
+          <a:lnRef idx="2">
+            <a:schemeClr val="accent1">
+              <a:shade val="50000"/>
+            </a:schemeClr>
+          </a:lnRef>
+          <a:fillRef idx="1">
+            <a:schemeClr val="accent1"/>
+          </a:fillRef>
+          <a:effectRef idx="0">
+            <a:schemeClr val="accent1"/>
+          </a:effectRef>
+          <a:fontRef idx="minor">
+            <a:schemeClr val="lt1"/>
+          </a:fontRef>
+        </p:style>
+        <p:txBody>
+          <a:bodyPr rtlCol="0" anchor="ctr"/>
+          <a:lstStyle/>
+          <a:p>
+            <a:pPr algn="ctr"/>
+            <a:endParaRPr lang="en-US"/>
+          </a:p>
+        </p:txBody>
+      </p:sp>
     </p:spTree>
     <p:extLst>
       <p:ext uri="{BB962C8B-B14F-4D97-AF65-F5344CB8AC3E}">
@@ -4095,36 +3986,26 @@
       </p:grpSpPr>
       <p:pic>
         <p:nvPicPr>
-          <p:cNvPr id="3" name="Picture 2"/>
+          <p:cNvPr id="7" name="Picture 6"/>
           <p:cNvPicPr>
             <a:picLocks noChangeAspect="1"/>
           </p:cNvPicPr>
           <p:nvPr/>
         </p:nvPicPr>
         <p:blipFill>
-          <a:blip r:embed="rId2"/>
+          <a:blip r:embed="rId3"/>
           <a:stretch>
             <a:fillRect/>
           </a:stretch>
         </p:blipFill>
         <p:spPr>
           <a:xfrm>
-            <a:off x="745819" y="1681473"/>
-            <a:ext cx="5048955" cy="4315427"/>
+            <a:off x="526715" y="1437342"/>
+            <a:ext cx="4801270" cy="3915321"/>
           </a:xfrm>
           <a:prstGeom prst="rect">
             <a:avLst/>
           </a:prstGeom>
-          <a:ln>
-            <a:noFill/>
-          </a:ln>
-          <a:effectLst>
-            <a:outerShdw blurRad="292100" dist="139700" dir="2700000" algn="tl" rotWithShape="0">
-              <a:srgbClr val="333333">
-                <a:alpha val="65000"/>
-              </a:srgbClr>
-            </a:outerShdw>
-          </a:effectLst>
         </p:spPr>
       </p:pic>
       <p:sp>
@@ -4172,7 +4053,7 @@
         <p:spPr>
           <a:xfrm>
             <a:off x="323133" y="858910"/>
-            <a:ext cx="9650473" cy="685059"/>
+            <a:ext cx="9650473" cy="373692"/>
           </a:xfrm>
           <a:prstGeom prst="rect">
             <a:avLst/>
@@ -4193,108 +4074,28 @@
               </a:spcAft>
             </a:pPr>
             <a:r>
+              <a:rPr lang="en" dirty="0" smtClean="0">
+                <a:latin typeface="Segoe UI" panose="020B0502040204020203" pitchFamily="34" charset="0"/>
+                <a:ea typeface="Calibri" panose="020F0502020204030204" pitchFamily="34" charset="0"/>
+                <a:cs typeface="Times New Roman" panose="02020603050405020304" pitchFamily="18" charset="0"/>
+              </a:rPr>
+              <a:t>Add year </a:t>
+            </a:r>
+            <a:r>
               <a:rPr lang="en" dirty="0">
                 <a:latin typeface="Segoe UI" panose="020B0502040204020203" pitchFamily="34" charset="0"/>
                 <a:ea typeface="Calibri" panose="020F0502020204030204" pitchFamily="34" charset="0"/>
                 <a:cs typeface="Times New Roman" panose="02020603050405020304" pitchFamily="18" charset="0"/>
               </a:rPr>
-              <a:t>Observe the </a:t>
-            </a:r>
-            <a:r>
-              <a:rPr lang="en" b="1" dirty="0" err="1">
+              <a:t>the </a:t>
+            </a:r>
+            <a:r>
+              <a:rPr lang="en" b="1" dirty="0" smtClean="0">
                 <a:latin typeface="Segoe UI" panose="020B0502040204020203" pitchFamily="34" charset="0"/>
                 <a:ea typeface="Calibri" panose="020F0502020204030204" pitchFamily="34" charset="0"/>
                 <a:cs typeface="Times New Roman" panose="02020603050405020304" pitchFamily="18" charset="0"/>
               </a:rPr>
-              <a:t>funnel </a:t>
-            </a:r>
-            <a:r>
-              <a:rPr lang="en" b="1" dirty="0">
-                <a:latin typeface="Segoe UI" panose="020B0502040204020203" pitchFamily="34" charset="0"/>
-                <a:ea typeface="Calibri" panose="020F0502020204030204" pitchFamily="34" charset="0"/>
-                <a:cs typeface="Times New Roman" panose="02020603050405020304" pitchFamily="18" charset="0"/>
-              </a:rPr>
-              <a:t>and </a:t>
-            </a:r>
-            <a:r>
-              <a:rPr lang="en" b="1" dirty="0" err="1">
-                <a:latin typeface="Segoe UI" panose="020B0502040204020203" pitchFamily="34" charset="0"/>
-                <a:ea typeface="Calibri" panose="020F0502020204030204" pitchFamily="34" charset="0"/>
-                <a:cs typeface="Times New Roman" panose="02020603050405020304" pitchFamily="18" charset="0"/>
-              </a:rPr>
-              <a:t>try </a:t>
-            </a:r>
-            <a:r>
-              <a:rPr lang="en" b="1" dirty="0">
-                <a:latin typeface="Segoe UI" panose="020B0502040204020203" pitchFamily="34" charset="0"/>
-                <a:ea typeface="Calibri" panose="020F0502020204030204" pitchFamily="34" charset="0"/>
-                <a:cs typeface="Times New Roman" panose="02020603050405020304" pitchFamily="18" charset="0"/>
-              </a:rPr>
-              <a:t>to </a:t>
-            </a:r>
-            <a:r>
-              <a:rPr lang="en" b="1" dirty="0" err="1">
-                <a:latin typeface="Segoe UI" panose="020B0502040204020203" pitchFamily="34" charset="0"/>
-                <a:ea typeface="Calibri" panose="020F0502020204030204" pitchFamily="34" charset="0"/>
-                <a:cs typeface="Times New Roman" panose="02020603050405020304" pitchFamily="18" charset="0"/>
-              </a:rPr>
-              <a:t>execute</a:t>
-            </a:r>
-            <a:r>
-              <a:rPr lang="en" b="1" dirty="0">
-                <a:latin typeface="Segoe UI" panose="020B0502040204020203" pitchFamily="34" charset="0"/>
-                <a:ea typeface="Calibri" panose="020F0502020204030204" pitchFamily="34" charset="0"/>
-                <a:cs typeface="Times New Roman" panose="02020603050405020304" pitchFamily="18" charset="0"/>
-              </a:rPr>
-              <a:t> </a:t>
-            </a:r>
-            <a:r>
-              <a:rPr lang="en" b="1" dirty="0" err="1">
-                <a:latin typeface="Segoe UI" panose="020B0502040204020203" pitchFamily="34" charset="0"/>
-                <a:ea typeface="Calibri" panose="020F0502020204030204" pitchFamily="34" charset="0"/>
-                <a:cs typeface="Times New Roman" panose="02020603050405020304" pitchFamily="18" charset="0"/>
-              </a:rPr>
-              <a:t>Exploration</a:t>
-            </a:r>
-            <a:r>
-              <a:rPr lang="en" b="1" dirty="0">
-                <a:latin typeface="Segoe UI" panose="020B0502040204020203" pitchFamily="34" charset="0"/>
-                <a:ea typeface="Calibri" panose="020F0502020204030204" pitchFamily="34" charset="0"/>
-                <a:cs typeface="Times New Roman" panose="02020603050405020304" pitchFamily="18" charset="0"/>
-              </a:rPr>
-              <a:t> </a:t>
-            </a:r>
-            <a:r>
-              <a:rPr lang="en" dirty="0" err="1">
-                <a:latin typeface="Segoe UI" panose="020B0502040204020203" pitchFamily="34" charset="0"/>
-                <a:ea typeface="Calibri" panose="020F0502020204030204" pitchFamily="34" charset="0"/>
-                <a:cs typeface="Times New Roman" panose="02020603050405020304" pitchFamily="18" charset="0"/>
-              </a:rPr>
-              <a:t>operations</a:t>
-            </a:r>
-            <a:r>
-              <a:rPr lang="en" b="1" dirty="0">
-                <a:latin typeface="Segoe UI" panose="020B0502040204020203" pitchFamily="34" charset="0"/>
-                <a:ea typeface="Calibri" panose="020F0502020204030204" pitchFamily="34" charset="0"/>
-                <a:cs typeface="Times New Roman" panose="02020603050405020304" pitchFamily="18" charset="0"/>
-              </a:rPr>
-              <a:t> </a:t>
-            </a:r>
-            <a:r>
-              <a:rPr lang="en" dirty="0" err="1">
-                <a:latin typeface="Segoe UI" panose="020B0502040204020203" pitchFamily="34" charset="0"/>
-                <a:ea typeface="Calibri" panose="020F0502020204030204" pitchFamily="34" charset="0"/>
-                <a:cs typeface="Times New Roman" panose="02020603050405020304" pitchFamily="18" charset="0"/>
-              </a:rPr>
-              <a:t>provided </a:t>
-            </a:r>
-            <a:r>
-              <a:rPr lang="en" dirty="0">
-                <a:latin typeface="Segoe UI" panose="020B0502040204020203" pitchFamily="34" charset="0"/>
-                <a:ea typeface="Calibri" panose="020F0502020204030204" pitchFamily="34" charset="0"/>
-                <a:cs typeface="Times New Roman" panose="02020603050405020304" pitchFamily="18" charset="0"/>
-              </a:rPr>
-              <a:t>by the menu at </a:t>
+              <a:t>Category</a:t>
             </a:r>
             <a:r>
               <a:rPr lang="en" dirty="0" smtClean="0">
@@ -4302,15 +4103,7 @@
                 <a:ea typeface="Calibri" panose="020F0502020204030204" pitchFamily="34" charset="0"/>
                 <a:cs typeface="Times New Roman" panose="02020603050405020304" pitchFamily="18" charset="0"/>
               </a:rPr>
-              <a:t>the top </a:t>
-            </a:r>
-            <a:r>
-              <a:rPr lang="en" dirty="0">
-                <a:latin typeface="Segoe UI" panose="020B0502040204020203" pitchFamily="34" charset="0"/>
-                <a:ea typeface="Calibri" panose="020F0502020204030204" pitchFamily="34" charset="0"/>
-                <a:cs typeface="Times New Roman" panose="02020603050405020304" pitchFamily="18" charset="0"/>
-              </a:rPr>
-              <a:t>right</a:t>
+              <a:t> field and observe the changes</a:t>
             </a:r>
             <a:endParaRPr lang="en-US" sz="1400" dirty="0">
               <a:effectLst/>
@@ -4329,7 +4122,7 @@
         </p:nvSpPr>
         <p:spPr>
           <a:xfrm>
-            <a:off x="2892161" y="1801386"/>
+            <a:off x="3386890" y="1455018"/>
             <a:ext cx="1941095" cy="316259"/>
           </a:xfrm>
           <a:prstGeom prst="rect">
@@ -4371,38 +4164,148 @@
       </p:sp>
       <p:pic>
         <p:nvPicPr>
-          <p:cNvPr id="5" name="Picture 4"/>
+          <p:cNvPr id="8" name="Picture 7"/>
           <p:cNvPicPr>
             <a:picLocks noChangeAspect="1"/>
           </p:cNvPicPr>
           <p:nvPr/>
         </p:nvPicPr>
         <p:blipFill>
-          <a:blip r:embed="rId3"/>
+          <a:blip r:embed="rId4"/>
           <a:stretch>
             <a:fillRect/>
           </a:stretch>
         </p:blipFill>
         <p:spPr>
           <a:xfrm>
-            <a:off x="5953483" y="1681473"/>
-            <a:ext cx="5486830" cy="4334392"/>
+            <a:off x="5632336" y="1437342"/>
+            <a:ext cx="1966278" cy="1851958"/>
           </a:xfrm>
           <a:prstGeom prst="rect">
             <a:avLst/>
           </a:prstGeom>
+        </p:spPr>
+      </p:pic>
+      <p:sp>
+        <p:nvSpPr>
+          <p:cNvPr id="9" name="Rectangle 8"/>
+          <p:cNvSpPr/>
+          <p:nvPr/>
+        </p:nvSpPr>
+        <p:spPr>
+          <a:xfrm>
+            <a:off x="5610501" y="1815137"/>
+            <a:ext cx="1988113" cy="316259"/>
+          </a:xfrm>
+          <a:prstGeom prst="rect">
+            <a:avLst/>
+          </a:prstGeom>
+          <a:solidFill>
+            <a:srgbClr val="FF0000">
+              <a:alpha val="29000"/>
+            </a:srgbClr>
+          </a:solidFill>
           <a:ln>
             <a:noFill/>
           </a:ln>
-          <a:effectLst>
-            <a:outerShdw blurRad="292100" dist="139700" dir="2700000" algn="tl" rotWithShape="0">
-              <a:srgbClr val="333333">
-                <a:alpha val="65000"/>
-              </a:srgbClr>
-            </a:outerShdw>
-          </a:effectLst>
+        </p:spPr>
+        <p:style>
+          <a:lnRef idx="2">
+            <a:schemeClr val="accent1">
+              <a:shade val="50000"/>
+            </a:schemeClr>
+          </a:lnRef>
+          <a:fillRef idx="1">
+            <a:schemeClr val="accent1"/>
+          </a:fillRef>
+          <a:effectRef idx="0">
+            <a:schemeClr val="accent1"/>
+          </a:effectRef>
+          <a:fontRef idx="minor">
+            <a:schemeClr val="lt1"/>
+          </a:fontRef>
+        </p:style>
+        <p:txBody>
+          <a:bodyPr rtlCol="0" anchor="ctr"/>
+          <a:lstStyle/>
+          <a:p>
+            <a:pPr algn="ctr"/>
+            <a:endParaRPr lang="en-US"/>
+          </a:p>
+        </p:txBody>
+      </p:sp>
+      <p:pic>
+        <p:nvPicPr>
+          <p:cNvPr id="10" name="Picture 9"/>
+          <p:cNvPicPr>
+            <a:picLocks noChangeAspect="1"/>
+          </p:cNvPicPr>
+          <p:nvPr/>
+        </p:nvPicPr>
+        <p:blipFill>
+          <a:blip r:embed="rId5"/>
+          <a:stretch>
+            <a:fillRect/>
+          </a:stretch>
+        </p:blipFill>
+        <p:spPr>
+          <a:xfrm>
+            <a:off x="7677150" y="3048870"/>
+            <a:ext cx="4308296" cy="3568067"/>
+          </a:xfrm>
+          <a:prstGeom prst="rect">
+            <a:avLst/>
+          </a:prstGeom>
         </p:spPr>
       </p:pic>
+      <p:sp>
+        <p:nvSpPr>
+          <p:cNvPr id="12" name="Rectangle 11"/>
+          <p:cNvSpPr/>
+          <p:nvPr/>
+        </p:nvSpPr>
+        <p:spPr>
+          <a:xfrm>
+            <a:off x="10449201" y="4381500"/>
+            <a:ext cx="1418949" cy="165100"/>
+          </a:xfrm>
+          <a:prstGeom prst="rect">
+            <a:avLst/>
+          </a:prstGeom>
+          <a:solidFill>
+            <a:srgbClr val="FF0000">
+              <a:alpha val="29000"/>
+            </a:srgbClr>
+          </a:solidFill>
+          <a:ln>
+            <a:noFill/>
+          </a:ln>
+        </p:spPr>
+        <p:style>
+          <a:lnRef idx="2">
+            <a:schemeClr val="accent1">
+              <a:shade val="50000"/>
+            </a:schemeClr>
+          </a:lnRef>
+          <a:fillRef idx="1">
+            <a:schemeClr val="accent1"/>
+          </a:fillRef>
+          <a:effectRef idx="0">
+            <a:schemeClr val="accent1"/>
+          </a:effectRef>
+          <a:fontRef idx="minor">
+            <a:schemeClr val="lt1"/>
+          </a:fontRef>
+        </p:style>
+        <p:txBody>
+          <a:bodyPr rtlCol="0" anchor="ctr"/>
+          <a:lstStyle/>
+          <a:p>
+            <a:pPr algn="ctr"/>
+            <a:endParaRPr lang="en-US"/>
+          </a:p>
+        </p:txBody>
+      </p:sp>
     </p:spTree>
     <p:extLst>
       <p:ext uri="{BB962C8B-B14F-4D97-AF65-F5344CB8AC3E}">
@@ -4524,7 +4427,7 @@
           <p:nvPr/>
         </p:nvPicPr>
         <p:blipFill>
-          <a:blip r:embed="rId2"/>
+          <a:blip r:embed="rId3"/>
           <a:stretch>
             <a:fillRect/>
           </a:stretch>
